--- a/GPR.pptx
+++ b/GPR.pptx
@@ -115,6 +115,22 @@
       </a:defRPr>
     </a:lvl9pPr>
   </p:defaultTextStyle>
+  <p:extLst>
+    <p:ext uri="{EFAFB233-063F-42B5-8137-9DF3F51BA10A}">
+      <p15:sldGuideLst xmlns:p15="http://schemas.microsoft.com/office/powerpoint/2012/main">
+        <p15:guide id="1" orient="horz" pos="2160">
+          <p15:clr>
+            <a:srgbClr val="A4A3A4"/>
+          </p15:clr>
+        </p15:guide>
+        <p15:guide id="2" pos="2880">
+          <p15:clr>
+            <a:srgbClr val="A4A3A4"/>
+          </p15:clr>
+        </p15:guide>
+      </p15:sldGuideLst>
+    </p:ext>
+  </p:extLst>
 </p:presentation>
 </file>
 
@@ -409,7 +425,7 @@
           <a:p>
             <a:fld id="{2D22FE17-FB43-4B8B-962D-727E09BAD533}" type="datetimeFigureOut">
               <a:rPr lang="zh-TW" altLang="en-US" smtClean="0"/>
-              <a:t>2017/5/8</a:t>
+              <a:t>2017/5/9</a:t>
             </a:fld>
             <a:endParaRPr lang="zh-TW" altLang="en-US"/>
           </a:p>
@@ -600,7 +616,7 @@
           <a:p>
             <a:fld id="{2D22FE17-FB43-4B8B-962D-727E09BAD533}" type="datetimeFigureOut">
               <a:rPr lang="zh-TW" altLang="en-US" smtClean="0"/>
-              <a:t>2017/5/8</a:t>
+              <a:t>2017/5/9</a:t>
             </a:fld>
             <a:endParaRPr lang="zh-TW" altLang="en-US"/>
           </a:p>
@@ -785,7 +801,7 @@
           <a:p>
             <a:fld id="{2D22FE17-FB43-4B8B-962D-727E09BAD533}" type="datetimeFigureOut">
               <a:rPr lang="zh-TW" altLang="en-US" smtClean="0"/>
-              <a:t>2017/5/8</a:t>
+              <a:t>2017/5/9</a:t>
             </a:fld>
             <a:endParaRPr lang="zh-TW" altLang="en-US"/>
           </a:p>
@@ -1048,7 +1064,7 @@
           <a:p>
             <a:fld id="{2D22FE17-FB43-4B8B-962D-727E09BAD533}" type="datetimeFigureOut">
               <a:rPr lang="zh-TW" altLang="en-US" smtClean="0"/>
-              <a:t>2017/5/8</a:t>
+              <a:t>2017/5/9</a:t>
             </a:fld>
             <a:endParaRPr lang="zh-TW" altLang="en-US"/>
           </a:p>
@@ -1464,7 +1480,7 @@
           <a:p>
             <a:fld id="{2D22FE17-FB43-4B8B-962D-727E09BAD533}" type="datetimeFigureOut">
               <a:rPr lang="zh-TW" altLang="en-US" smtClean="0"/>
-              <a:t>2017/5/8</a:t>
+              <a:t>2017/5/9</a:t>
             </a:fld>
             <a:endParaRPr lang="zh-TW" altLang="en-US"/>
           </a:p>
@@ -1706,7 +1722,7 @@
           <a:p>
             <a:fld id="{2D22FE17-FB43-4B8B-962D-727E09BAD533}" type="datetimeFigureOut">
               <a:rPr lang="zh-TW" altLang="en-US" smtClean="0"/>
-              <a:t>2017/5/8</a:t>
+              <a:t>2017/5/9</a:t>
             </a:fld>
             <a:endParaRPr lang="zh-TW" altLang="en-US"/>
           </a:p>
@@ -1942,7 +1958,7 @@
           <a:p>
             <a:fld id="{2D22FE17-FB43-4B8B-962D-727E09BAD533}" type="datetimeFigureOut">
               <a:rPr lang="zh-TW" altLang="en-US" smtClean="0"/>
-              <a:t>2017/5/8</a:t>
+              <a:t>2017/5/9</a:t>
             </a:fld>
             <a:endParaRPr lang="zh-TW" altLang="en-US"/>
           </a:p>
@@ -2137,7 +2153,7 @@
           <a:p>
             <a:fld id="{2D22FE17-FB43-4B8B-962D-727E09BAD533}" type="datetimeFigureOut">
               <a:rPr lang="zh-TW" altLang="en-US" smtClean="0"/>
-              <a:t>2017/5/8</a:t>
+              <a:t>2017/5/9</a:t>
             </a:fld>
             <a:endParaRPr lang="zh-TW" altLang="en-US"/>
           </a:p>
@@ -2235,7 +2251,7 @@
           <a:p>
             <a:fld id="{2D22FE17-FB43-4B8B-962D-727E09BAD533}" type="datetimeFigureOut">
               <a:rPr lang="zh-TW" altLang="en-US" smtClean="0"/>
-              <a:t>2017/5/8</a:t>
+              <a:t>2017/5/9</a:t>
             </a:fld>
             <a:endParaRPr lang="zh-TW" altLang="en-US"/>
           </a:p>
@@ -2371,7 +2387,7 @@
           <a:p>
             <a:fld id="{2D22FE17-FB43-4B8B-962D-727E09BAD533}" type="datetimeFigureOut">
               <a:rPr lang="zh-TW" altLang="en-US" smtClean="0"/>
-              <a:t>2017/5/8</a:t>
+              <a:t>2017/5/9</a:t>
             </a:fld>
             <a:endParaRPr lang="zh-TW" altLang="en-US"/>
           </a:p>
@@ -2889,7 +2905,7 @@
           <a:p>
             <a:fld id="{2D22FE17-FB43-4B8B-962D-727E09BAD533}" type="datetimeFigureOut">
               <a:rPr lang="zh-TW" altLang="en-US" smtClean="0"/>
-              <a:t>2017/5/8</a:t>
+              <a:t>2017/5/9</a:t>
             </a:fld>
             <a:endParaRPr lang="zh-TW" altLang="en-US"/>
           </a:p>
@@ -3150,7 +3166,7 @@
           <a:p>
             <a:fld id="{2D22FE17-FB43-4B8B-962D-727E09BAD533}" type="datetimeFigureOut">
               <a:rPr lang="zh-TW" altLang="en-US" smtClean="0"/>
-              <a:t>2017/5/8</a:t>
+              <a:t>2017/5/9</a:t>
             </a:fld>
             <a:endParaRPr lang="zh-TW" altLang="en-US"/>
           </a:p>
@@ -3699,31 +3715,47 @@
             <p:ph type="ctrTitle"/>
           </p:nvPr>
         </p:nvSpPr>
+        <p:spPr>
+          <a:xfrm>
+            <a:off x="3275856" y="4581128"/>
+            <a:ext cx="5563344" cy="1286272"/>
+          </a:xfrm>
+        </p:spPr>
+        <p:txBody>
+          <a:bodyPr>
+            <a:normAutofit fontScale="90000"/>
+          </a:bodyPr>
+          <a:lstStyle/>
+          <a:p>
+            <a:r>
+              <a:rPr lang="en-US" altLang="zh-TW" dirty="0"/>
+              <a:t>Gaussian Process Regression (GPR)</a:t>
+            </a:r>
+            <a:endParaRPr lang="zh-TW" altLang="en-US" dirty="0"/>
+          </a:p>
+        </p:txBody>
+      </p:sp>
+      <p:sp>
+        <p:nvSpPr>
+          <p:cNvPr id="3" name="副標題 2"/>
+          <p:cNvSpPr>
+            <a:spLocks noGrp="1"/>
+          </p:cNvSpPr>
+          <p:nvPr>
+            <p:ph type="subTitle" idx="1"/>
+          </p:nvPr>
+        </p:nvSpPr>
         <p:spPr/>
         <p:txBody>
           <a:bodyPr/>
           <a:lstStyle/>
           <a:p>
+            <a:pPr algn="r"/>
+            <a:r>
+              <a:rPr lang="zh-TW" altLang="en-US" dirty="0" smtClean="0"/>
+              <a:t>林呈柔</a:t>
+            </a:r>
             <a:endParaRPr lang="zh-TW" altLang="en-US" dirty="0"/>
-          </a:p>
-        </p:txBody>
-      </p:sp>
-      <p:sp>
-        <p:nvSpPr>
-          <p:cNvPr id="3" name="副標題 2"/>
-          <p:cNvSpPr>
-            <a:spLocks noGrp="1"/>
-          </p:cNvSpPr>
-          <p:nvPr>
-            <p:ph type="subTitle" idx="1"/>
-          </p:nvPr>
-        </p:nvSpPr>
-        <p:spPr/>
-        <p:txBody>
-          <a:bodyPr/>
-          <a:lstStyle/>
-          <a:p>
-            <a:endParaRPr lang="zh-TW" altLang="en-US"/>
           </a:p>
         </p:txBody>
       </p:sp>
@@ -4987,15 +5019,7 @@
             </a:r>
             <a:r>
               <a:rPr lang="zh-TW" altLang="en-US" dirty="0"/>
-              <a:t>年發表了最小平方理論的進一步</a:t>
-            </a:r>
-            <a:r>
-              <a:rPr lang="zh-TW" altLang="en-US" dirty="0"/>
-              <a:t>發展，</a:t>
-            </a:r>
-            <a:r>
-              <a:rPr lang="zh-TW" altLang="en-US" dirty="0"/>
-              <a:t>包括高斯－馬可夫定理的一個版本。</a:t>
+              <a:t>年發表了最小平方理論的進一步發展，包括高斯－馬可夫定理的一個版本。</a:t>
             </a:r>
           </a:p>
         </p:txBody>
@@ -5422,120 +5446,202 @@
           <a:lstStyle/>
           <a:p>
             <a:r>
-              <a:rPr lang="zh-CN" altLang="en-US" dirty="0"/>
+              <a:rPr lang="zh-CN" altLang="en-US" dirty="0">
+                <a:latin typeface="微軟正黑體" panose="020B0604030504040204" pitchFamily="34" charset="-120"/>
+                <a:ea typeface="微軟正黑體" panose="020B0604030504040204" pitchFamily="34" charset="-120"/>
+              </a:rPr>
               <a:t>優勢如下</a:t>
             </a:r>
             <a:r>
-              <a:rPr lang="en-US" altLang="zh-CN" dirty="0"/>
+              <a:rPr lang="en-US" altLang="zh-CN" dirty="0">
+                <a:latin typeface="微軟正黑體" panose="020B0604030504040204" pitchFamily="34" charset="-120"/>
+                <a:ea typeface="微軟正黑體" panose="020B0604030504040204" pitchFamily="34" charset="-120"/>
+              </a:rPr>
               <a:t>:</a:t>
             </a:r>
           </a:p>
           <a:p>
             <a:pPr lvl="1"/>
             <a:r>
-              <a:rPr lang="zh-CN" altLang="en-US" dirty="0"/>
+              <a:rPr lang="zh-CN" altLang="en-US" dirty="0">
+                <a:latin typeface="微軟正黑體" panose="020B0604030504040204" pitchFamily="34" charset="-120"/>
+                <a:ea typeface="微軟正黑體" panose="020B0604030504040204" pitchFamily="34" charset="-120"/>
+              </a:rPr>
               <a:t>預測是對觀察值的插</a:t>
             </a:r>
             <a:r>
-              <a:rPr lang="zh-CN" altLang="en-US" dirty="0" smtClean="0"/>
+              <a:rPr lang="zh-CN" altLang="en-US" dirty="0">
+                <a:latin typeface="微軟正黑體" panose="020B0604030504040204" pitchFamily="34" charset="-120"/>
+                <a:ea typeface="微軟正黑體" panose="020B0604030504040204" pitchFamily="34" charset="-120"/>
+              </a:rPr>
               <a:t>值</a:t>
             </a:r>
-            <a:endParaRPr lang="en-US" altLang="zh-CN" dirty="0"/>
+            <a:endParaRPr lang="en-US" altLang="zh-CN" dirty="0">
+              <a:latin typeface="微軟正黑體" panose="020B0604030504040204" pitchFamily="34" charset="-120"/>
+              <a:ea typeface="微軟正黑體" panose="020B0604030504040204" pitchFamily="34" charset="-120"/>
+            </a:endParaRPr>
           </a:p>
           <a:p>
             <a:pPr lvl="1"/>
             <a:r>
-              <a:rPr lang="zh-CN" altLang="en-US" dirty="0"/>
+              <a:rPr lang="zh-CN" altLang="en-US" dirty="0">
+                <a:latin typeface="微軟正黑體" panose="020B0604030504040204" pitchFamily="34" charset="-120"/>
+                <a:ea typeface="微軟正黑體" panose="020B0604030504040204" pitchFamily="34" charset="-120"/>
+              </a:rPr>
               <a:t>預測是帶有概率的</a:t>
             </a:r>
             <a:r>
-              <a:rPr lang="en-US" altLang="zh-CN" dirty="0"/>
+              <a:rPr lang="en-US" altLang="zh-CN" dirty="0">
+                <a:latin typeface="微軟正黑體" panose="020B0604030504040204" pitchFamily="34" charset="-120"/>
+                <a:ea typeface="微軟正黑體" panose="020B0604030504040204" pitchFamily="34" charset="-120"/>
+              </a:rPr>
               <a:t>(Gaussian)</a:t>
             </a:r>
             <a:r>
-              <a:rPr lang="zh-CN" altLang="en-US" dirty="0"/>
+              <a:rPr lang="zh-CN" altLang="en-US" dirty="0">
+                <a:latin typeface="微軟正黑體" panose="020B0604030504040204" pitchFamily="34" charset="-120"/>
+                <a:ea typeface="微軟正黑體" panose="020B0604030504040204" pitchFamily="34" charset="-120"/>
+              </a:rPr>
               <a:t>。</a:t>
             </a:r>
-            <a:endParaRPr lang="en-US" altLang="zh-CN" dirty="0"/>
+            <a:endParaRPr lang="en-US" altLang="zh-CN" dirty="0">
+              <a:latin typeface="微軟正黑體" panose="020B0604030504040204" pitchFamily="34" charset="-120"/>
+              <a:ea typeface="微軟正黑體" panose="020B0604030504040204" pitchFamily="34" charset="-120"/>
+            </a:endParaRPr>
           </a:p>
           <a:p>
             <a:pPr lvl="1"/>
             <a:r>
-              <a:rPr lang="zh-CN" altLang="en-US" dirty="0"/>
+              <a:rPr lang="zh-CN" altLang="en-US" dirty="0">
+                <a:latin typeface="微軟正黑體" panose="020B0604030504040204" pitchFamily="34" charset="-120"/>
+                <a:ea typeface="微軟正黑體" panose="020B0604030504040204" pitchFamily="34" charset="-120"/>
+              </a:rPr>
               <a:t>多樣性</a:t>
             </a:r>
             <a:r>
-              <a:rPr lang="en-US" altLang="zh-CN" dirty="0"/>
+              <a:rPr lang="en-US" altLang="zh-CN" dirty="0">
+                <a:latin typeface="微軟正黑體" panose="020B0604030504040204" pitchFamily="34" charset="-120"/>
+                <a:ea typeface="微軟正黑體" panose="020B0604030504040204" pitchFamily="34" charset="-120"/>
+              </a:rPr>
               <a:t>: </a:t>
             </a:r>
             <a:r>
-              <a:rPr lang="zh-CN" altLang="en-US" dirty="0"/>
+              <a:rPr lang="zh-CN" altLang="en-US" dirty="0">
+                <a:latin typeface="微軟正黑體" panose="020B0604030504040204" pitchFamily="34" charset="-120"/>
+                <a:ea typeface="微軟正黑體" panose="020B0604030504040204" pitchFamily="34" charset="-120"/>
+              </a:rPr>
               <a:t>可以指定不同的線性回歸模型 </a:t>
             </a:r>
             <a:r>
-              <a:rPr lang="en-US" altLang="zh-CN" dirty="0"/>
+              <a:rPr lang="en-US" altLang="zh-CN" dirty="0">
+                <a:latin typeface="微軟正黑體" panose="020B0604030504040204" pitchFamily="34" charset="-120"/>
+                <a:ea typeface="微軟正黑體" panose="020B0604030504040204" pitchFamily="34" charset="-120"/>
+              </a:rPr>
               <a:t>linear regression models </a:t>
             </a:r>
             <a:r>
-              <a:rPr lang="zh-CN" altLang="en-US" dirty="0"/>
+              <a:rPr lang="zh-CN" altLang="en-US" dirty="0">
+                <a:latin typeface="微軟正黑體" panose="020B0604030504040204" pitchFamily="34" charset="-120"/>
+                <a:ea typeface="微軟正黑體" panose="020B0604030504040204" pitchFamily="34" charset="-120"/>
+              </a:rPr>
               <a:t>和相關模型 </a:t>
             </a:r>
             <a:r>
-              <a:rPr lang="en-US" altLang="zh-CN" dirty="0"/>
+              <a:rPr lang="en-US" altLang="zh-CN" dirty="0">
+                <a:latin typeface="微軟正黑體" panose="020B0604030504040204" pitchFamily="34" charset="-120"/>
+                <a:ea typeface="微軟正黑體" panose="020B0604030504040204" pitchFamily="34" charset="-120"/>
+              </a:rPr>
               <a:t>correlation models </a:t>
             </a:r>
             <a:r>
-              <a:rPr lang="zh-CN" altLang="en-US" dirty="0"/>
+              <a:rPr lang="zh-CN" altLang="en-US" dirty="0">
+                <a:latin typeface="微軟正黑體" panose="020B0604030504040204" pitchFamily="34" charset="-120"/>
+                <a:ea typeface="微軟正黑體" panose="020B0604030504040204" pitchFamily="34" charset="-120"/>
+              </a:rPr>
               <a:t>。 它提供了普通模型，但也能指定其它靜態的自訂模型</a:t>
             </a:r>
           </a:p>
           <a:p>
             <a:r>
-              <a:rPr lang="zh-CN" altLang="en-US" dirty="0"/>
+              <a:rPr lang="zh-CN" altLang="en-US" dirty="0">
+                <a:latin typeface="微軟正黑體" panose="020B0604030504040204" pitchFamily="34" charset="-120"/>
+                <a:ea typeface="微軟正黑體" panose="020B0604030504040204" pitchFamily="34" charset="-120"/>
+              </a:rPr>
               <a:t>缺點如下</a:t>
             </a:r>
             <a:r>
-              <a:rPr lang="en-US" altLang="zh-CN" dirty="0"/>
+              <a:rPr lang="en-US" altLang="zh-CN" dirty="0">
+                <a:latin typeface="微軟正黑體" panose="020B0604030504040204" pitchFamily="34" charset="-120"/>
+                <a:ea typeface="微軟正黑體" panose="020B0604030504040204" pitchFamily="34" charset="-120"/>
+              </a:rPr>
               <a:t>:</a:t>
             </a:r>
           </a:p>
           <a:p>
             <a:pPr lvl="1"/>
             <a:r>
-              <a:rPr lang="zh-CN" altLang="en-US" dirty="0"/>
+              <a:rPr lang="zh-CN" altLang="en-US" dirty="0">
+                <a:latin typeface="微軟正黑體" panose="020B0604030504040204" pitchFamily="34" charset="-120"/>
+                <a:ea typeface="微軟正黑體" panose="020B0604030504040204" pitchFamily="34" charset="-120"/>
+              </a:rPr>
               <a:t>不是稀疏的，它使用全部的樣本</a:t>
             </a:r>
             <a:r>
-              <a:rPr lang="en-US" altLang="zh-CN" dirty="0"/>
+              <a:rPr lang="en-US" altLang="zh-CN" dirty="0">
+                <a:latin typeface="微軟正黑體" panose="020B0604030504040204" pitchFamily="34" charset="-120"/>
+                <a:ea typeface="微軟正黑體" panose="020B0604030504040204" pitchFamily="34" charset="-120"/>
+              </a:rPr>
               <a:t>/</a:t>
             </a:r>
             <a:r>
-              <a:rPr lang="zh-CN" altLang="en-US" dirty="0"/>
+              <a:rPr lang="zh-CN" altLang="en-US" dirty="0">
+                <a:latin typeface="微軟正黑體" panose="020B0604030504040204" pitchFamily="34" charset="-120"/>
+                <a:ea typeface="微軟正黑體" panose="020B0604030504040204" pitchFamily="34" charset="-120"/>
+              </a:rPr>
               <a:t>特徵資訊來做預測。</a:t>
             </a:r>
           </a:p>
           <a:p>
             <a:pPr lvl="1"/>
             <a:r>
-              <a:rPr lang="zh-CN" altLang="en-US" dirty="0"/>
+              <a:rPr lang="zh-CN" altLang="en-US" dirty="0">
+                <a:latin typeface="微軟正黑體" panose="020B0604030504040204" pitchFamily="34" charset="-120"/>
+                <a:ea typeface="微軟正黑體" panose="020B0604030504040204" pitchFamily="34" charset="-120"/>
+              </a:rPr>
               <a:t>多維空間下會變得低效 </a:t>
             </a:r>
             <a:r>
-              <a:rPr lang="en-US" altLang="zh-CN" dirty="0"/>
+              <a:rPr lang="en-US" altLang="zh-CN" dirty="0">
+                <a:latin typeface="微軟正黑體" panose="020B0604030504040204" pitchFamily="34" charset="-120"/>
+                <a:ea typeface="微軟正黑體" panose="020B0604030504040204" pitchFamily="34" charset="-120"/>
+              </a:rPr>
               <a:t>– </a:t>
             </a:r>
             <a:r>
-              <a:rPr lang="zh-CN" altLang="en-US" dirty="0"/>
+              <a:rPr lang="zh-CN" altLang="en-US" dirty="0">
+                <a:latin typeface="微軟正黑體" panose="020B0604030504040204" pitchFamily="34" charset="-120"/>
+                <a:ea typeface="微軟正黑體" panose="020B0604030504040204" pitchFamily="34" charset="-120"/>
+              </a:rPr>
               <a:t>即當特徵的數量超過幾十個</a:t>
             </a:r>
             <a:r>
-              <a:rPr lang="en-US" altLang="zh-CN" dirty="0"/>
+              <a:rPr lang="en-US" altLang="zh-CN" dirty="0">
+                <a:latin typeface="微軟正黑體" panose="020B0604030504040204" pitchFamily="34" charset="-120"/>
+                <a:ea typeface="微軟正黑體" panose="020B0604030504040204" pitchFamily="34" charset="-120"/>
+              </a:rPr>
               <a:t>,</a:t>
             </a:r>
             <a:r>
-              <a:rPr lang="zh-CN" altLang="en-US" dirty="0"/>
+              <a:rPr lang="zh-CN" altLang="en-US" dirty="0">
+                <a:latin typeface="微軟正黑體" panose="020B0604030504040204" pitchFamily="34" charset="-120"/>
+                <a:ea typeface="微軟正黑體" panose="020B0604030504040204" pitchFamily="34" charset="-120"/>
+              </a:rPr>
               <a:t>它可能確實會表現很差，而且計算效率下降。</a:t>
             </a:r>
+            <a:endParaRPr lang="zh-CN" altLang="en-US" dirty="0">
+              <a:latin typeface="微軟正黑體" panose="020B0604030504040204" pitchFamily="34" charset="-120"/>
+              <a:ea typeface="微軟正黑體" panose="020B0604030504040204" pitchFamily="34" charset="-120"/>
+            </a:endParaRPr>
           </a:p>
           <a:p>
             <a:endParaRPr lang="zh-TW" altLang="en-US" dirty="0"/>
@@ -5633,11 +5739,7 @@
           <a:p>
             <a:r>
               <a:rPr lang="zh-TW" altLang="en-US" dirty="0" smtClean="0"/>
-              <a:t>二氧化碳</a:t>
-            </a:r>
-            <a:r>
-              <a:rPr lang="zh-TW" altLang="en-US" dirty="0" smtClean="0"/>
-              <a:t>濃度</a:t>
+              <a:t>二氧化碳濃度</a:t>
             </a:r>
             <a:endParaRPr lang="en-US" altLang="zh-TW" dirty="0" smtClean="0"/>
           </a:p>
@@ -5646,7 +5748,6 @@
               <a:rPr lang="zh-TW" altLang="en-US" dirty="0"/>
               <a:t>行星天體軌道</a:t>
             </a:r>
-            <a:endParaRPr lang="zh-TW" altLang="en-US" dirty="0"/>
           </a:p>
         </p:txBody>
       </p:sp>
@@ -5751,11 +5852,41 @@
                 <a:tableStyleId>{5C22544A-7EE6-4342-B048-85BDC9FD1C3A}</a:tableStyleId>
               </a:tblPr>
               <a:tblGrid>
-                <a:gridCol w="1822010"/>
-                <a:gridCol w="1822010"/>
-                <a:gridCol w="1822010"/>
-                <a:gridCol w="1822010"/>
-                <a:gridCol w="1822010"/>
+                <a:gridCol w="1822010">
+                  <a:extLst>
+                    <a:ext uri="{9D8B030D-6E8A-4147-A177-3AD203B41FA5}">
+                      <a16:colId xmlns:a16="http://schemas.microsoft.com/office/drawing/2014/main" val="20000"/>
+                    </a:ext>
+                  </a:extLst>
+                </a:gridCol>
+                <a:gridCol w="1822010">
+                  <a:extLst>
+                    <a:ext uri="{9D8B030D-6E8A-4147-A177-3AD203B41FA5}">
+                      <a16:colId xmlns:a16="http://schemas.microsoft.com/office/drawing/2014/main" val="20001"/>
+                    </a:ext>
+                  </a:extLst>
+                </a:gridCol>
+                <a:gridCol w="1822010">
+                  <a:extLst>
+                    <a:ext uri="{9D8B030D-6E8A-4147-A177-3AD203B41FA5}">
+                      <a16:colId xmlns:a16="http://schemas.microsoft.com/office/drawing/2014/main" val="20002"/>
+                    </a:ext>
+                  </a:extLst>
+                </a:gridCol>
+                <a:gridCol w="1822010">
+                  <a:extLst>
+                    <a:ext uri="{9D8B030D-6E8A-4147-A177-3AD203B41FA5}">
+                      <a16:colId xmlns:a16="http://schemas.microsoft.com/office/drawing/2014/main" val="20003"/>
+                    </a:ext>
+                  </a:extLst>
+                </a:gridCol>
+                <a:gridCol w="1822010">
+                  <a:extLst>
+                    <a:ext uri="{9D8B030D-6E8A-4147-A177-3AD203B41FA5}">
+                      <a16:colId xmlns:a16="http://schemas.microsoft.com/office/drawing/2014/main" val="20004"/>
+                    </a:ext>
+                  </a:extLst>
+                </a:gridCol>
               </a:tblGrid>
               <a:tr h="342038">
                 <a:tc>
@@ -5875,6 +6006,11 @@
                   </a:txBody>
                   <a:tcPr marL="78932" marR="78932" marT="39466" marB="39466"/>
                 </a:tc>
+                <a:extLst>
+                  <a:ext uri="{0D108BD9-81ED-4DB2-BD59-A6C34878D82A}">
+                    <a16:rowId xmlns:a16="http://schemas.microsoft.com/office/drawing/2014/main" val="10000"/>
+                  </a:ext>
+                </a:extLst>
               </a:tr>
               <a:tr h="342038">
                 <a:tc>
@@ -5998,6 +6134,11 @@
                   </a:txBody>
                   <a:tcPr marL="78932" marR="78932" marT="39466" marB="39466"/>
                 </a:tc>
+                <a:extLst>
+                  <a:ext uri="{0D108BD9-81ED-4DB2-BD59-A6C34878D82A}">
+                    <a16:rowId xmlns:a16="http://schemas.microsoft.com/office/drawing/2014/main" val="10001"/>
+                  </a:ext>
+                </a:extLst>
               </a:tr>
               <a:tr h="342038">
                 <a:tc>
@@ -6105,6 +6246,11 @@
                   </a:txBody>
                   <a:tcPr marL="78932" marR="78932" marT="39466" marB="39466"/>
                 </a:tc>
+                <a:extLst>
+                  <a:ext uri="{0D108BD9-81ED-4DB2-BD59-A6C34878D82A}">
+                    <a16:rowId xmlns:a16="http://schemas.microsoft.com/office/drawing/2014/main" val="10002"/>
+                  </a:ext>
+                </a:extLst>
               </a:tr>
               <a:tr h="342038">
                 <a:tc>
@@ -6212,6 +6358,11 @@
                   </a:txBody>
                   <a:tcPr marL="78932" marR="78932" marT="39466" marB="39466"/>
                 </a:tc>
+                <a:extLst>
+                  <a:ext uri="{0D108BD9-81ED-4DB2-BD59-A6C34878D82A}">
+                    <a16:rowId xmlns:a16="http://schemas.microsoft.com/office/drawing/2014/main" val="10003"/>
+                  </a:ext>
+                </a:extLst>
               </a:tr>
             </a:tbl>
           </a:graphicData>
